--- a/lectures/ll7.pptx
+++ b/lectures/ll7.pptx
@@ -17,8 +17,8 @@
     <p:sldId id="830" r:id="rId8"/>
     <p:sldId id="870" r:id="rId9"/>
     <p:sldId id="859" r:id="rId10"/>
-    <p:sldId id="860" r:id="rId11"/>
-    <p:sldId id="861" r:id="rId12"/>
+    <p:sldId id="861" r:id="rId11"/>
+    <p:sldId id="860" r:id="rId12"/>
     <p:sldId id="862" r:id="rId13"/>
     <p:sldId id="864" r:id="rId14"/>
     <p:sldId id="589" r:id="rId15"/>
@@ -126,6 +126,11 @@
       </a:defRPr>
     </a:lvl9pPr>
   </p:defaultTextStyle>
+  <p:extLst>
+    <p:ext uri="{EFAFB233-063F-42B5-8137-9DF3F51BA10A}">
+      <p15:sldGuideLst xmlns:p15="http://schemas.microsoft.com/office/powerpoint/2012/main"/>
+    </p:ext>
+  </p:extLst>
 </p:presentation>
 </file>
 
@@ -211,7 +216,7 @@
           <a:p>
             <a:fld id="{29CE97CA-A0FA-2A41-A60F-6D8F4B1B4F6D}" type="datetimeFigureOut">
               <a:rPr lang="en-US" smtClean="0"/>
-              <a:t>11/9/21</a:t>
+              <a:t>11/10/21</a:t>
             </a:fld>
             <a:endParaRPr lang="en-US"/>
           </a:p>
@@ -1167,7 +1172,7 @@
           <a:p>
             <a:fld id="{14BEF16A-8AC4-A849-AEC8-80BCDB7517BA}" type="datetimeFigureOut">
               <a:rPr lang="en-US" smtClean="0"/>
-              <a:t>11/9/21</a:t>
+              <a:t>11/10/21</a:t>
             </a:fld>
             <a:endParaRPr lang="en-US"/>
           </a:p>
@@ -1365,7 +1370,7 @@
           <a:p>
             <a:fld id="{14BEF16A-8AC4-A849-AEC8-80BCDB7517BA}" type="datetimeFigureOut">
               <a:rPr lang="en-US" smtClean="0"/>
-              <a:t>11/9/21</a:t>
+              <a:t>11/10/21</a:t>
             </a:fld>
             <a:endParaRPr lang="en-US"/>
           </a:p>
@@ -1573,7 +1578,7 @@
           <a:p>
             <a:fld id="{14BEF16A-8AC4-A849-AEC8-80BCDB7517BA}" type="datetimeFigureOut">
               <a:rPr lang="en-US" smtClean="0"/>
-              <a:t>11/9/21</a:t>
+              <a:t>11/10/21</a:t>
             </a:fld>
             <a:endParaRPr lang="en-US"/>
           </a:p>
@@ -1771,7 +1776,7 @@
           <a:p>
             <a:fld id="{14BEF16A-8AC4-A849-AEC8-80BCDB7517BA}" type="datetimeFigureOut">
               <a:rPr lang="en-US" smtClean="0"/>
-              <a:t>11/9/21</a:t>
+              <a:t>11/10/21</a:t>
             </a:fld>
             <a:endParaRPr lang="en-US"/>
           </a:p>
@@ -2046,7 +2051,7 @@
           <a:p>
             <a:fld id="{14BEF16A-8AC4-A849-AEC8-80BCDB7517BA}" type="datetimeFigureOut">
               <a:rPr lang="en-US" smtClean="0"/>
-              <a:t>11/9/21</a:t>
+              <a:t>11/10/21</a:t>
             </a:fld>
             <a:endParaRPr lang="en-US"/>
           </a:p>
@@ -2311,7 +2316,7 @@
           <a:p>
             <a:fld id="{14BEF16A-8AC4-A849-AEC8-80BCDB7517BA}" type="datetimeFigureOut">
               <a:rPr lang="en-US" smtClean="0"/>
-              <a:t>11/9/21</a:t>
+              <a:t>11/10/21</a:t>
             </a:fld>
             <a:endParaRPr lang="en-US"/>
           </a:p>
@@ -2723,7 +2728,7 @@
           <a:p>
             <a:fld id="{14BEF16A-8AC4-A849-AEC8-80BCDB7517BA}" type="datetimeFigureOut">
               <a:rPr lang="en-US" smtClean="0"/>
-              <a:t>11/9/21</a:t>
+              <a:t>11/10/21</a:t>
             </a:fld>
             <a:endParaRPr lang="en-US"/>
           </a:p>
@@ -2864,7 +2869,7 @@
           <a:p>
             <a:fld id="{14BEF16A-8AC4-A849-AEC8-80BCDB7517BA}" type="datetimeFigureOut">
               <a:rPr lang="en-US" smtClean="0"/>
-              <a:t>11/9/21</a:t>
+              <a:t>11/10/21</a:t>
             </a:fld>
             <a:endParaRPr lang="en-US"/>
           </a:p>
@@ -2977,7 +2982,7 @@
           <a:p>
             <a:fld id="{14BEF16A-8AC4-A849-AEC8-80BCDB7517BA}" type="datetimeFigureOut">
               <a:rPr lang="en-US" smtClean="0"/>
-              <a:t>11/9/21</a:t>
+              <a:t>11/10/21</a:t>
             </a:fld>
             <a:endParaRPr lang="en-US"/>
           </a:p>
@@ -3288,7 +3293,7 @@
           <a:p>
             <a:fld id="{14BEF16A-8AC4-A849-AEC8-80BCDB7517BA}" type="datetimeFigureOut">
               <a:rPr lang="en-US" smtClean="0"/>
-              <a:t>11/9/21</a:t>
+              <a:t>11/10/21</a:t>
             </a:fld>
             <a:endParaRPr lang="en-US"/>
           </a:p>
@@ -3576,7 +3581,7 @@
           <a:p>
             <a:fld id="{14BEF16A-8AC4-A849-AEC8-80BCDB7517BA}" type="datetimeFigureOut">
               <a:rPr lang="en-US" smtClean="0"/>
-              <a:t>11/9/21</a:t>
+              <a:t>11/10/21</a:t>
             </a:fld>
             <a:endParaRPr lang="en-US"/>
           </a:p>
@@ -3817,7 +3822,7 @@
           <a:p>
             <a:fld id="{14BEF16A-8AC4-A849-AEC8-80BCDB7517BA}" type="datetimeFigureOut">
               <a:rPr lang="en-US" smtClean="0"/>
-              <a:t>11/9/21</a:t>
+              <a:t>11/10/21</a:t>
             </a:fld>
             <a:endParaRPr lang="en-US"/>
           </a:p>
@@ -4331,169 +4336,6 @@
           <p:cNvPr id="2" name="Title 1">
             <a:extLst>
               <a:ext uri="{FF2B5EF4-FFF2-40B4-BE49-F238E27FC236}">
-                <a16:creationId xmlns:a16="http://schemas.microsoft.com/office/drawing/2014/main" id="{086472CD-C3A4-AC4A-AD9B-CA1510E1CF82}"/>
-              </a:ext>
-            </a:extLst>
-          </p:cNvPr>
-          <p:cNvSpPr>
-            <a:spLocks noGrp="1"/>
-          </p:cNvSpPr>
-          <p:nvPr>
-            <p:ph type="title"/>
-          </p:nvPr>
-        </p:nvSpPr>
-        <p:spPr>
-          <a:xfrm>
-            <a:off x="609600" y="9071"/>
-            <a:ext cx="10972800" cy="1143000"/>
-          </a:xfrm>
-        </p:spPr>
-        <p:txBody>
-          <a:bodyPr/>
-          <a:lstStyle/>
-          <a:p>
-            <a:r>
-              <a:rPr lang="en-US" dirty="0"/>
-              <a:t>DIHI Sepsis Watch</a:t>
-            </a:r>
-          </a:p>
-        </p:txBody>
-      </p:sp>
-      <p:pic>
-        <p:nvPicPr>
-          <p:cNvPr id="4" name="Picture 3">
-            <a:extLst>
-              <a:ext uri="{FF2B5EF4-FFF2-40B4-BE49-F238E27FC236}">
-                <a16:creationId xmlns:a16="http://schemas.microsoft.com/office/drawing/2014/main" id="{227928DE-BBFE-1E43-B005-8061D3C8F0C5}"/>
-              </a:ext>
-            </a:extLst>
-          </p:cNvPr>
-          <p:cNvPicPr>
-            <a:picLocks noChangeAspect="1"/>
-          </p:cNvPicPr>
-          <p:nvPr/>
-        </p:nvPicPr>
-        <p:blipFill>
-          <a:blip r:embed="rId2"/>
-          <a:stretch>
-            <a:fillRect/>
-          </a:stretch>
-        </p:blipFill>
-        <p:spPr>
-          <a:xfrm>
-            <a:off x="367301" y="1152071"/>
-            <a:ext cx="7855579" cy="5221211"/>
-          </a:xfrm>
-          <a:prstGeom prst="rect">
-            <a:avLst/>
-          </a:prstGeom>
-        </p:spPr>
-      </p:pic>
-      <p:sp>
-        <p:nvSpPr>
-          <p:cNvPr id="5" name="TextBox 4">
-            <a:extLst>
-              <a:ext uri="{FF2B5EF4-FFF2-40B4-BE49-F238E27FC236}">
-                <a16:creationId xmlns:a16="http://schemas.microsoft.com/office/drawing/2014/main" id="{05491217-81A0-294E-89A7-926B3B49C24C}"/>
-              </a:ext>
-            </a:extLst>
-          </p:cNvPr>
-          <p:cNvSpPr txBox="1"/>
-          <p:nvPr/>
-        </p:nvSpPr>
-        <p:spPr>
-          <a:xfrm>
-            <a:off x="8606827" y="1916016"/>
-            <a:ext cx="3217872" cy="1200329"/>
-          </a:xfrm>
-          <a:prstGeom prst="rect">
-            <a:avLst/>
-          </a:prstGeom>
-          <a:noFill/>
-        </p:spPr>
-        <p:txBody>
-          <a:bodyPr wrap="square" rtlCol="0">
-            <a:spAutoFit/>
-          </a:bodyPr>
-          <a:lstStyle/>
-          <a:p>
-            <a:r>
-              <a:rPr lang="en-US" sz="2400" dirty="0"/>
-              <a:t>&lt;- Use GP regression to predict measurements at regular intervals</a:t>
-            </a:r>
-          </a:p>
-        </p:txBody>
-      </p:sp>
-      <p:sp>
-        <p:nvSpPr>
-          <p:cNvPr id="6" name="TextBox 5">
-            <a:extLst>
-              <a:ext uri="{FF2B5EF4-FFF2-40B4-BE49-F238E27FC236}">
-                <a16:creationId xmlns:a16="http://schemas.microsoft.com/office/drawing/2014/main" id="{F67EE409-4EB8-884F-A751-ED556014F313}"/>
-              </a:ext>
-            </a:extLst>
-          </p:cNvPr>
-          <p:cNvSpPr txBox="1"/>
-          <p:nvPr/>
-        </p:nvSpPr>
-        <p:spPr>
-          <a:xfrm>
-            <a:off x="8606827" y="4774901"/>
-            <a:ext cx="3217872" cy="830997"/>
-          </a:xfrm>
-          <a:prstGeom prst="rect">
-            <a:avLst/>
-          </a:prstGeom>
-          <a:noFill/>
-        </p:spPr>
-        <p:txBody>
-          <a:bodyPr wrap="square" rtlCol="0">
-            <a:spAutoFit/>
-          </a:bodyPr>
-          <a:lstStyle/>
-          <a:p>
-            <a:r>
-              <a:rPr lang="en-US" sz="2400" dirty="0"/>
-              <a:t>&lt;- Predict sepsis risk using an RNN</a:t>
-            </a:r>
-          </a:p>
-        </p:txBody>
-      </p:sp>
-    </p:spTree>
-    <p:extLst>
-      <p:ext uri="{BB962C8B-B14F-4D97-AF65-F5344CB8AC3E}">
-        <p14:creationId xmlns:p14="http://schemas.microsoft.com/office/powerpoint/2010/main" val="1809168359"/>
-      </p:ext>
-    </p:extLst>
-  </p:cSld>
-  <p:clrMapOvr>
-    <a:masterClrMapping/>
-  </p:clrMapOvr>
-</p:sld>
-</file>
-
-<file path=ppt/slides/slide11.xml><?xml version="1.0" encoding="utf-8"?>
-<p:sld xmlns:a="http://schemas.openxmlformats.org/drawingml/2006/main" xmlns:r="http://schemas.openxmlformats.org/officeDocument/2006/relationships" xmlns:p="http://schemas.openxmlformats.org/presentationml/2006/main">
-  <p:cSld>
-    <p:spTree>
-      <p:nvGrpSpPr>
-        <p:cNvPr id="1" name=""/>
-        <p:cNvGrpSpPr/>
-        <p:nvPr/>
-      </p:nvGrpSpPr>
-      <p:grpSpPr>
-        <a:xfrm>
-          <a:off x="0" y="0"/>
-          <a:ext cx="0" cy="0"/>
-          <a:chOff x="0" y="0"/>
-          <a:chExt cx="0" cy="0"/>
-        </a:xfrm>
-      </p:grpSpPr>
-      <p:sp>
-        <p:nvSpPr>
-          <p:cNvPr id="2" name="Title 1">
-            <a:extLst>
-              <a:ext uri="{FF2B5EF4-FFF2-40B4-BE49-F238E27FC236}">
                 <a16:creationId xmlns:a16="http://schemas.microsoft.com/office/drawing/2014/main" id="{B7457613-64B7-C246-8175-2B0C31C33163}"/>
               </a:ext>
             </a:extLst>
@@ -5990,7 +5832,7 @@
                   <a:schemeClr val="accent2"/>
                 </a:solidFill>
               </a:rPr>
-              <a:t>aggregate in hour 2</a:t>
+              <a:t>aggregate in hour 3</a:t>
             </a:r>
           </a:p>
         </p:txBody>
@@ -6296,6 +6138,169 @@
 </p:sld>
 </file>
 
+<file path=ppt/slides/slide11.xml><?xml version="1.0" encoding="utf-8"?>
+<p:sld xmlns:a="http://schemas.openxmlformats.org/drawingml/2006/main" xmlns:r="http://schemas.openxmlformats.org/officeDocument/2006/relationships" xmlns:p="http://schemas.openxmlformats.org/presentationml/2006/main">
+  <p:cSld>
+    <p:spTree>
+      <p:nvGrpSpPr>
+        <p:cNvPr id="1" name=""/>
+        <p:cNvGrpSpPr/>
+        <p:nvPr/>
+      </p:nvGrpSpPr>
+      <p:grpSpPr>
+        <a:xfrm>
+          <a:off x="0" y="0"/>
+          <a:ext cx="0" cy="0"/>
+          <a:chOff x="0" y="0"/>
+          <a:chExt cx="0" cy="0"/>
+        </a:xfrm>
+      </p:grpSpPr>
+      <p:sp>
+        <p:nvSpPr>
+          <p:cNvPr id="2" name="Title 1">
+            <a:extLst>
+              <a:ext uri="{FF2B5EF4-FFF2-40B4-BE49-F238E27FC236}">
+                <a16:creationId xmlns:a16="http://schemas.microsoft.com/office/drawing/2014/main" id="{086472CD-C3A4-AC4A-AD9B-CA1510E1CF82}"/>
+              </a:ext>
+            </a:extLst>
+          </p:cNvPr>
+          <p:cNvSpPr>
+            <a:spLocks noGrp="1"/>
+          </p:cNvSpPr>
+          <p:nvPr>
+            <p:ph type="title"/>
+          </p:nvPr>
+        </p:nvSpPr>
+        <p:spPr>
+          <a:xfrm>
+            <a:off x="609600" y="9071"/>
+            <a:ext cx="10972800" cy="1143000"/>
+          </a:xfrm>
+        </p:spPr>
+        <p:txBody>
+          <a:bodyPr/>
+          <a:lstStyle/>
+          <a:p>
+            <a:r>
+              <a:rPr lang="en-US" dirty="0"/>
+              <a:t>DIHI Sepsis Watch</a:t>
+            </a:r>
+          </a:p>
+        </p:txBody>
+      </p:sp>
+      <p:pic>
+        <p:nvPicPr>
+          <p:cNvPr id="4" name="Picture 3">
+            <a:extLst>
+              <a:ext uri="{FF2B5EF4-FFF2-40B4-BE49-F238E27FC236}">
+                <a16:creationId xmlns:a16="http://schemas.microsoft.com/office/drawing/2014/main" id="{227928DE-BBFE-1E43-B005-8061D3C8F0C5}"/>
+              </a:ext>
+            </a:extLst>
+          </p:cNvPr>
+          <p:cNvPicPr>
+            <a:picLocks noChangeAspect="1"/>
+          </p:cNvPicPr>
+          <p:nvPr/>
+        </p:nvPicPr>
+        <p:blipFill>
+          <a:blip r:embed="rId2"/>
+          <a:stretch>
+            <a:fillRect/>
+          </a:stretch>
+        </p:blipFill>
+        <p:spPr>
+          <a:xfrm>
+            <a:off x="367301" y="1152071"/>
+            <a:ext cx="7855579" cy="5221211"/>
+          </a:xfrm>
+          <a:prstGeom prst="rect">
+            <a:avLst/>
+          </a:prstGeom>
+        </p:spPr>
+      </p:pic>
+      <p:sp>
+        <p:nvSpPr>
+          <p:cNvPr id="5" name="TextBox 4">
+            <a:extLst>
+              <a:ext uri="{FF2B5EF4-FFF2-40B4-BE49-F238E27FC236}">
+                <a16:creationId xmlns:a16="http://schemas.microsoft.com/office/drawing/2014/main" id="{05491217-81A0-294E-89A7-926B3B49C24C}"/>
+              </a:ext>
+            </a:extLst>
+          </p:cNvPr>
+          <p:cNvSpPr txBox="1"/>
+          <p:nvPr/>
+        </p:nvSpPr>
+        <p:spPr>
+          <a:xfrm>
+            <a:off x="8606827" y="1916016"/>
+            <a:ext cx="3217872" cy="1200329"/>
+          </a:xfrm>
+          <a:prstGeom prst="rect">
+            <a:avLst/>
+          </a:prstGeom>
+          <a:noFill/>
+        </p:spPr>
+        <p:txBody>
+          <a:bodyPr wrap="square" rtlCol="0">
+            <a:spAutoFit/>
+          </a:bodyPr>
+          <a:lstStyle/>
+          <a:p>
+            <a:r>
+              <a:rPr lang="en-US" sz="2400" dirty="0"/>
+              <a:t>&lt;- Use GP regression to predict measurements at regular intervals</a:t>
+            </a:r>
+          </a:p>
+        </p:txBody>
+      </p:sp>
+      <p:sp>
+        <p:nvSpPr>
+          <p:cNvPr id="6" name="TextBox 5">
+            <a:extLst>
+              <a:ext uri="{FF2B5EF4-FFF2-40B4-BE49-F238E27FC236}">
+                <a16:creationId xmlns:a16="http://schemas.microsoft.com/office/drawing/2014/main" id="{F67EE409-4EB8-884F-A751-ED556014F313}"/>
+              </a:ext>
+            </a:extLst>
+          </p:cNvPr>
+          <p:cNvSpPr txBox="1"/>
+          <p:nvPr/>
+        </p:nvSpPr>
+        <p:spPr>
+          <a:xfrm>
+            <a:off x="8606827" y="4774901"/>
+            <a:ext cx="3217872" cy="830997"/>
+          </a:xfrm>
+          <a:prstGeom prst="rect">
+            <a:avLst/>
+          </a:prstGeom>
+          <a:noFill/>
+        </p:spPr>
+        <p:txBody>
+          <a:bodyPr wrap="square" rtlCol="0">
+            <a:spAutoFit/>
+          </a:bodyPr>
+          <a:lstStyle/>
+          <a:p>
+            <a:r>
+              <a:rPr lang="en-US" sz="2400" dirty="0"/>
+              <a:t>&lt;- Predict sepsis risk using an RNN</a:t>
+            </a:r>
+          </a:p>
+        </p:txBody>
+      </p:sp>
+    </p:spTree>
+    <p:extLst>
+      <p:ext uri="{BB962C8B-B14F-4D97-AF65-F5344CB8AC3E}">
+        <p14:creationId xmlns:p14="http://schemas.microsoft.com/office/powerpoint/2010/main" val="1809168359"/>
+      </p:ext>
+    </p:extLst>
+  </p:cSld>
+  <p:clrMapOvr>
+    <a:masterClrMapping/>
+  </p:clrMapOvr>
+</p:sld>
+</file>
+
 <file path=ppt/slides/slide12.xml><?xml version="1.0" encoding="utf-8"?>
 <p:sld xmlns:a="http://schemas.openxmlformats.org/drawingml/2006/main" xmlns:r="http://schemas.openxmlformats.org/officeDocument/2006/relationships" xmlns:p="http://schemas.openxmlformats.org/presentationml/2006/main">
   <p:cSld>
@@ -7700,8 +7705,8 @@
           </p:sp>
         </mc:Fallback>
       </mc:AlternateContent>
-      <mc:AlternateContent xmlns:mc="http://schemas.openxmlformats.org/markup-compatibility/2006">
-        <mc:Choice xmlns:a14="http://schemas.microsoft.com/office/drawing/2010/main" Requires="a14">
+      <mc:AlternateContent xmlns:mc="http://schemas.openxmlformats.org/markup-compatibility/2006" xmlns:a14="http://schemas.microsoft.com/office/drawing/2010/main">
+        <mc:Choice Requires="a14">
           <p:sp>
             <p:nvSpPr>
               <p:cNvPr id="27" name="TextBox 26">
@@ -7847,7 +7852,7 @@
             </p:txBody>
           </p:sp>
         </mc:Choice>
-        <mc:Fallback>
+        <mc:Fallback xmlns="">
           <p:sp>
             <p:nvSpPr>
               <p:cNvPr id="27" name="TextBox 26">
@@ -9208,8 +9213,8 @@
           </a:fontRef>
         </p:style>
       </p:cxnSp>
-      <mc:AlternateContent xmlns:mc="http://schemas.openxmlformats.org/markup-compatibility/2006">
-        <mc:Choice xmlns:a14="http://schemas.microsoft.com/office/drawing/2010/main" Requires="a14">
+      <mc:AlternateContent xmlns:mc="http://schemas.openxmlformats.org/markup-compatibility/2006" xmlns:a14="http://schemas.microsoft.com/office/drawing/2010/main">
+        <mc:Choice Requires="a14">
           <p:sp>
             <p:nvSpPr>
               <p:cNvPr id="31" name="TextBox 30">
@@ -9350,7 +9355,7 @@
             </p:txBody>
           </p:sp>
         </mc:Choice>
-        <mc:Fallback>
+        <mc:Fallback xmlns="">
           <p:sp>
             <p:nvSpPr>
               <p:cNvPr id="31" name="TextBox 30">
@@ -10711,8 +10716,8 @@
           </a:fontRef>
         </p:style>
       </p:cxnSp>
-      <mc:AlternateContent xmlns:mc="http://schemas.openxmlformats.org/markup-compatibility/2006">
-        <mc:Choice xmlns:a14="http://schemas.microsoft.com/office/drawing/2010/main" Requires="a14">
+      <mc:AlternateContent xmlns:mc="http://schemas.openxmlformats.org/markup-compatibility/2006" xmlns:a14="http://schemas.microsoft.com/office/drawing/2010/main">
+        <mc:Choice Requires="a14">
           <p:sp>
             <p:nvSpPr>
               <p:cNvPr id="31" name="TextBox 30">
@@ -10821,7 +10826,7 @@
             </p:txBody>
           </p:sp>
         </mc:Choice>
-        <mc:Fallback>
+        <mc:Fallback xmlns="">
           <p:sp>
             <p:nvSpPr>
               <p:cNvPr id="31" name="TextBox 30">
@@ -10924,8 +10929,8 @@
           </a:p>
         </p:txBody>
       </p:sp>
-      <mc:AlternateContent xmlns:mc="http://schemas.openxmlformats.org/markup-compatibility/2006">
-        <mc:Choice xmlns:a14="http://schemas.microsoft.com/office/drawing/2010/main" Requires="a14">
+      <mc:AlternateContent xmlns:mc="http://schemas.openxmlformats.org/markup-compatibility/2006" xmlns:a14="http://schemas.microsoft.com/office/drawing/2010/main">
+        <mc:Choice Requires="a14">
           <p:sp>
             <p:nvSpPr>
               <p:cNvPr id="3" name="Content Placeholder 2">
@@ -11062,7 +11067,7 @@
             </p:txBody>
           </p:sp>
         </mc:Choice>
-        <mc:Fallback>
+        <mc:Fallback xmlns="">
           <p:sp>
             <p:nvSpPr>
               <p:cNvPr id="3" name="Content Placeholder 2">
@@ -13607,8 +13612,8 @@
           </a:graphicData>
         </a:graphic>
       </p:graphicFrame>
-      <mc:AlternateContent xmlns:mc="http://schemas.openxmlformats.org/markup-compatibility/2006">
-        <mc:Choice xmlns:a14="http://schemas.microsoft.com/office/drawing/2010/main" Requires="a14">
+      <mc:AlternateContent xmlns:mc="http://schemas.openxmlformats.org/markup-compatibility/2006" xmlns:a14="http://schemas.microsoft.com/office/drawing/2010/main">
+        <mc:Choice Requires="a14">
           <p:sp>
             <p:nvSpPr>
               <p:cNvPr id="36" name="TextBox 35">
@@ -13637,6 +13642,7 @@
               </a:bodyPr>
               <a:lstStyle/>
               <a:p>
+                <a:pPr/>
                 <a14:m>
                   <m:oMathPara xmlns:m="http://schemas.openxmlformats.org/officeDocument/2006/math">
                     <m:oMathParaPr>
@@ -13676,7 +13682,7 @@
             </p:txBody>
           </p:sp>
         </mc:Choice>
-        <mc:Fallback>
+        <mc:Fallback xmlns="">
           <p:sp>
             <p:nvSpPr>
               <p:cNvPr id="36" name="TextBox 35">
@@ -15064,7 +15070,7 @@
             <p:spPr>
               <a:xfrm>
                 <a:off x="2391168" y="2249293"/>
-                <a:ext cx="8840690" cy="584775"/>
+                <a:ext cx="6070701" cy="584775"/>
               </a:xfrm>
               <a:prstGeom prst="rect">
                 <a:avLst/>
@@ -15108,7 +15114,7 @@
                 </a14:m>
                 <a:r>
                   <a:rPr lang="en-US" sz="3200" dirty="0"/>
-                  <a:t>			</a:t>
+                  <a:t>		</a:t>
                 </a:r>
                 <a14:m>
                   <m:oMath xmlns:m="http://schemas.openxmlformats.org/officeDocument/2006/math">
@@ -15141,7 +15147,7 @@
                 </a14:m>
                 <a:r>
                   <a:rPr lang="en-US" sz="3200" dirty="0"/>
-                  <a:t>			</a:t>
+                  <a:t>		</a:t>
                 </a:r>
                 <a14:m>
                   <m:oMath xmlns:m="http://schemas.openxmlformats.org/officeDocument/2006/math">
@@ -15174,7 +15180,7 @@
                 </a14:m>
                 <a:r>
                   <a:rPr lang="en-US" sz="3200" dirty="0"/>
-                  <a:t>			</a:t>
+                  <a:t>		</a:t>
                 </a:r>
                 <a14:m>
                   <m:oMath xmlns:m="http://schemas.openxmlformats.org/officeDocument/2006/math">
@@ -15222,7 +15228,7 @@
             <p:spPr>
               <a:xfrm>
                 <a:off x="2391168" y="2249293"/>
-                <a:ext cx="8840690" cy="584775"/>
+                <a:ext cx="6070701" cy="584775"/>
               </a:xfrm>
               <a:prstGeom prst="rect">
                 <a:avLst/>
@@ -15230,7 +15236,7 @@
               <a:blipFill>
                 <a:blip r:embed="rId3"/>
                 <a:stretch>
-                  <a:fillRect l="-430" b="-6383"/>
+                  <a:fillRect l="-626" b="-6383"/>
                 </a:stretch>
               </a:blipFill>
             </p:spPr>
@@ -17127,7 +17133,7 @@
         </p:nvSpPr>
         <p:spPr>
           <a:xfrm>
-            <a:off x="10010975" y="2415357"/>
+            <a:off x="10043037" y="1981595"/>
             <a:ext cx="1550424" cy="461665"/>
           </a:xfrm>
           <a:prstGeom prst="rect">
@@ -17178,8 +17184,8 @@
           <a:chExt cx="0" cy="0"/>
         </a:xfrm>
       </p:grpSpPr>
-      <mc:AlternateContent xmlns:mc="http://schemas.openxmlformats.org/markup-compatibility/2006">
-        <mc:Choice xmlns:a14="http://schemas.microsoft.com/office/drawing/2010/main" Requires="a14">
+      <mc:AlternateContent xmlns:mc="http://schemas.openxmlformats.org/markup-compatibility/2006" xmlns:a14="http://schemas.microsoft.com/office/drawing/2010/main">
+        <mc:Choice Requires="a14">
           <p:sp>
             <p:nvSpPr>
               <p:cNvPr id="6" name="TextBox 5">
@@ -17341,7 +17347,7 @@
             </p:txBody>
           </p:sp>
         </mc:Choice>
-        <mc:Fallback>
+        <mc:Fallback xmlns="">
           <p:sp>
             <p:nvSpPr>
               <p:cNvPr id="6" name="TextBox 5">
